--- a/semina report/eniac_project_files/G&T_발표PPT_2주차.pptx
+++ b/semina report/eniac_project_files/G&T_발표PPT_2주차.pptx
@@ -118,7 +118,7 @@
 <file path=ppt/revisionInfo.xml><?xml version="1.0" encoding="utf-8"?>
 <p1510:revInfo xmlns:a="http://schemas.openxmlformats.org/drawingml/2006/main" xmlns:r="http://schemas.openxmlformats.org/officeDocument/2006/relationships" xmlns:p1510="http://schemas.microsoft.com/office/powerpoint/2015/10/main">
   <p1510:revLst>
-    <p1510:client id="{3A95D6F2-0669-4609-AE79-3A4C59F30514}" v="109" dt="2019-05-27T00:03:41.658"/>
+    <p1510:client id="{3A95D6F2-0669-4609-AE79-3A4C59F30514}" v="111" dt="2019-05-27T01:34:29.930"/>
   </p1510:revLst>
 </p1510:revInfo>
 </file>
@@ -127,8 +127,8 @@
 <pc:chgInfo xmlns:a="http://schemas.openxmlformats.org/drawingml/2006/main" xmlns:r="http://schemas.openxmlformats.org/officeDocument/2006/relationships" xmlns:ac="http://schemas.microsoft.com/office/drawing/2013/main/command" xmlns:pc="http://schemas.microsoft.com/office/powerpoint/2013/main/command">
   <pc:docChgLst>
     <pc:chgData name="Ryein Kim" userId="dfeadb9f706589c6" providerId="LiveId" clId="{3A95D6F2-0669-4609-AE79-3A4C59F30514}"/>
-    <pc:docChg chg="custSel mod addSld delSld modSld">
-      <pc:chgData name="Ryein Kim" userId="dfeadb9f706589c6" providerId="LiveId" clId="{3A95D6F2-0669-4609-AE79-3A4C59F30514}" dt="2019-05-27T00:57:55.937" v="1196" actId="2696"/>
+    <pc:docChg chg="custSel mod addSld delSld modSld sldOrd">
+      <pc:chgData name="Ryein Kim" userId="dfeadb9f706589c6" providerId="LiveId" clId="{3A95D6F2-0669-4609-AE79-3A4C59F30514}" dt="2019-05-27T01:34:31.644" v="1199" actId="2696"/>
       <pc:docMkLst>
         <pc:docMk/>
       </pc:docMkLst>
@@ -403,6 +403,13 @@
         <pc:sldMkLst>
           <pc:docMk/>
           <pc:sldMk cId="1199168987" sldId="260"/>
+        </pc:sldMkLst>
+      </pc:sldChg>
+      <pc:sldChg chg="add del ord">
+        <pc:chgData name="Ryein Kim" userId="dfeadb9f706589c6" providerId="LiveId" clId="{3A95D6F2-0669-4609-AE79-3A4C59F30514}" dt="2019-05-27T01:34:31.644" v="1199" actId="2696"/>
+        <pc:sldMkLst>
+          <pc:docMk/>
+          <pc:sldMk cId="2502749132" sldId="260"/>
         </pc:sldMkLst>
       </pc:sldChg>
     </pc:docChg>

--- a/semina report/eniac_project_files/G&T_발표PPT_2주차.pptx
+++ b/semina report/eniac_project_files/G&T_발표PPT_2주차.pptx
@@ -128,7 +128,7 @@
   <pc:docChgLst>
     <pc:chgData name="Ryein Kim" userId="dfeadb9f706589c6" providerId="LiveId" clId="{3A95D6F2-0669-4609-AE79-3A4C59F30514}"/>
     <pc:docChg chg="custSel mod addSld delSld modSld sldOrd">
-      <pc:chgData name="Ryein Kim" userId="dfeadb9f706589c6" providerId="LiveId" clId="{3A95D6F2-0669-4609-AE79-3A4C59F30514}" dt="2019-05-27T01:34:31.644" v="1199" actId="2696"/>
+      <pc:chgData name="Ryein Kim" userId="dfeadb9f706589c6" providerId="LiveId" clId="{3A95D6F2-0669-4609-AE79-3A4C59F30514}" dt="2019-06-06T14:55:40.803" v="1203" actId="1076"/>
       <pc:docMkLst>
         <pc:docMk/>
       </pc:docMkLst>
@@ -148,7 +148,7 @@
         </pc:spChg>
       </pc:sldChg>
       <pc:sldChg chg="addSp delSp modSp add mod setBg">
-        <pc:chgData name="Ryein Kim" userId="dfeadb9f706589c6" providerId="LiveId" clId="{3A95D6F2-0669-4609-AE79-3A4C59F30514}" dt="2019-05-26T23:50:18.756" v="512" actId="14100"/>
+        <pc:chgData name="Ryein Kim" userId="dfeadb9f706589c6" providerId="LiveId" clId="{3A95D6F2-0669-4609-AE79-3A4C59F30514}" dt="2019-06-06T14:55:40.803" v="1203" actId="1076"/>
         <pc:sldMkLst>
           <pc:docMk/>
           <pc:sldMk cId="2767237986" sldId="257"/>
@@ -170,7 +170,7 @@
           </ac:spMkLst>
         </pc:spChg>
         <pc:spChg chg="add mod">
-          <ac:chgData name="Ryein Kim" userId="dfeadb9f706589c6" providerId="LiveId" clId="{3A95D6F2-0669-4609-AE79-3A4C59F30514}" dt="2019-05-26T23:50:18.756" v="512" actId="14100"/>
+          <ac:chgData name="Ryein Kim" userId="dfeadb9f706589c6" providerId="LiveId" clId="{3A95D6F2-0669-4609-AE79-3A4C59F30514}" dt="2019-06-06T14:55:40.803" v="1203" actId="1076"/>
           <ac:spMkLst>
             <pc:docMk/>
             <pc:sldMk cId="2767237986" sldId="257"/>
@@ -218,13 +218,6 @@
           </ac:picMkLst>
         </pc:picChg>
       </pc:sldChg>
-      <pc:sldChg chg="del">
-        <pc:chgData name="Ryein Kim" userId="dfeadb9f706589c6" providerId="LiveId" clId="{3A95D6F2-0669-4609-AE79-3A4C59F30514}" dt="2019-05-26T23:47:05.079" v="89" actId="2696"/>
-        <pc:sldMkLst>
-          <pc:docMk/>
-          <pc:sldMk cId="4209995566" sldId="257"/>
-        </pc:sldMkLst>
-      </pc:sldChg>
       <pc:sldChg chg="addSp modSp add mod setBg">
         <pc:chgData name="Ryein Kim" userId="dfeadb9f706589c6" providerId="LiveId" clId="{3A95D6F2-0669-4609-AE79-3A4C59F30514}" dt="2019-05-26T23:57:24.206" v="738" actId="115"/>
         <pc:sldMkLst>
@@ -261,101 +254,6 @@
             <pc:docMk/>
             <pc:sldMk cId="3331035338" sldId="258"/>
             <ac:cxnSpMk id="10" creationId="{2E2F21DC-5F0E-42CF-B89C-C1E25E175CB8}"/>
-          </ac:cxnSpMkLst>
-        </pc:cxnChg>
-      </pc:sldChg>
-      <pc:sldChg chg="addSp delSp modSp add del mod setBg">
-        <pc:chgData name="Ryein Kim" userId="dfeadb9f706589c6" providerId="LiveId" clId="{3A95D6F2-0669-4609-AE79-3A4C59F30514}" dt="2019-05-26T23:47:59.851" v="153" actId="2696"/>
-        <pc:sldMkLst>
-          <pc:docMk/>
-          <pc:sldMk cId="3588637847" sldId="258"/>
-        </pc:sldMkLst>
-        <pc:spChg chg="mod">
-          <ac:chgData name="Ryein Kim" userId="dfeadb9f706589c6" providerId="LiveId" clId="{3A95D6F2-0669-4609-AE79-3A4C59F30514}" dt="2019-05-26T23:47:42.391" v="152" actId="20577"/>
-          <ac:spMkLst>
-            <pc:docMk/>
-            <pc:sldMk cId="3588637847" sldId="258"/>
-            <ac:spMk id="2" creationId="{7B56A3D0-3ECC-4D3B-9272-A1F6D6348EE4}"/>
-          </ac:spMkLst>
-        </pc:spChg>
-        <pc:spChg chg="del">
-          <ac:chgData name="Ryein Kim" userId="dfeadb9f706589c6" providerId="LiveId" clId="{3A95D6F2-0669-4609-AE79-3A4C59F30514}" dt="2019-05-26T23:47:14.420" v="90" actId="931"/>
-          <ac:spMkLst>
-            <pc:docMk/>
-            <pc:sldMk cId="3588637847" sldId="258"/>
-            <ac:spMk id="3" creationId="{6C272193-8E96-4311-9829-B37822178746}"/>
-          </ac:spMkLst>
-        </pc:spChg>
-        <pc:spChg chg="add">
-          <ac:chgData name="Ryein Kim" userId="dfeadb9f706589c6" providerId="LiveId" clId="{3A95D6F2-0669-4609-AE79-3A4C59F30514}" dt="2019-05-26T23:47:23.695" v="93" actId="26606"/>
-          <ac:spMkLst>
-            <pc:docMk/>
-            <pc:sldMk cId="3588637847" sldId="258"/>
-            <ac:spMk id="20" creationId="{C5BDD1EA-D8C1-45AF-9F0A-14A2A137BA2A}"/>
-          </ac:spMkLst>
-        </pc:spChg>
-        <pc:spChg chg="add">
-          <ac:chgData name="Ryein Kim" userId="dfeadb9f706589c6" providerId="LiveId" clId="{3A95D6F2-0669-4609-AE79-3A4C59F30514}" dt="2019-05-26T23:47:23.695" v="93" actId="26606"/>
-          <ac:spMkLst>
-            <pc:docMk/>
-            <pc:sldMk cId="3588637847" sldId="258"/>
-            <ac:spMk id="22" creationId="{14354E08-0068-48D7-A8AD-84C7B1CF585D}"/>
-          </ac:spMkLst>
-        </pc:spChg>
-        <pc:grpChg chg="add">
-          <ac:chgData name="Ryein Kim" userId="dfeadb9f706589c6" providerId="LiveId" clId="{3A95D6F2-0669-4609-AE79-3A4C59F30514}" dt="2019-05-26T23:47:23.695" v="93" actId="26606"/>
-          <ac:grpSpMkLst>
-            <pc:docMk/>
-            <pc:sldMk cId="3588637847" sldId="258"/>
-            <ac:grpSpMk id="24" creationId="{A779F34F-2960-4B81-BA08-445B6F6A0CD7}"/>
-          </ac:grpSpMkLst>
-        </pc:grpChg>
-        <pc:picChg chg="add mod">
-          <ac:chgData name="Ryein Kim" userId="dfeadb9f706589c6" providerId="LiveId" clId="{3A95D6F2-0669-4609-AE79-3A4C59F30514}" dt="2019-05-26T23:47:23.695" v="93" actId="26606"/>
-          <ac:picMkLst>
-            <pc:docMk/>
-            <pc:sldMk cId="3588637847" sldId="258"/>
-            <ac:picMk id="5" creationId="{06D10992-CA68-460B-B5E7-7DC8A17DDC3C}"/>
-          </ac:picMkLst>
-        </pc:picChg>
-        <pc:cxnChg chg="add">
-          <ac:chgData name="Ryein Kim" userId="dfeadb9f706589c6" providerId="LiveId" clId="{3A95D6F2-0669-4609-AE79-3A4C59F30514}" dt="2019-05-26T23:47:23.695" v="93" actId="26606"/>
-          <ac:cxnSpMkLst>
-            <pc:docMk/>
-            <pc:sldMk cId="3588637847" sldId="258"/>
-            <ac:cxnSpMk id="10" creationId="{8FD48FB1-66D8-4676-B0AA-C139A1DB78D1}"/>
-          </ac:cxnSpMkLst>
-        </pc:cxnChg>
-        <pc:cxnChg chg="add">
-          <ac:chgData name="Ryein Kim" userId="dfeadb9f706589c6" providerId="LiveId" clId="{3A95D6F2-0669-4609-AE79-3A4C59F30514}" dt="2019-05-26T23:47:23.695" v="93" actId="26606"/>
-          <ac:cxnSpMkLst>
-            <pc:docMk/>
-            <pc:sldMk cId="3588637847" sldId="258"/>
-            <ac:cxnSpMk id="12" creationId="{F033F5AE-6728-4F19-8DED-658E674B31B9}"/>
-          </ac:cxnSpMkLst>
-        </pc:cxnChg>
-        <pc:cxnChg chg="add">
-          <ac:chgData name="Ryein Kim" userId="dfeadb9f706589c6" providerId="LiveId" clId="{3A95D6F2-0669-4609-AE79-3A4C59F30514}" dt="2019-05-26T23:47:23.695" v="93" actId="26606"/>
-          <ac:cxnSpMkLst>
-            <pc:docMk/>
-            <pc:sldMk cId="3588637847" sldId="258"/>
-            <ac:cxnSpMk id="14" creationId="{82C7D74A-18BA-4709-A808-44E8815C4430}"/>
-          </ac:cxnSpMkLst>
-        </pc:cxnChg>
-        <pc:cxnChg chg="add">
-          <ac:chgData name="Ryein Kim" userId="dfeadb9f706589c6" providerId="LiveId" clId="{3A95D6F2-0669-4609-AE79-3A4C59F30514}" dt="2019-05-26T23:47:23.695" v="93" actId="26606"/>
-          <ac:cxnSpMkLst>
-            <pc:docMk/>
-            <pc:sldMk cId="3588637847" sldId="258"/>
-            <ac:cxnSpMk id="16" creationId="{B5164A3F-1561-4039-8185-AB0EEB713EA7}"/>
-          </ac:cxnSpMkLst>
-        </pc:cxnChg>
-        <pc:cxnChg chg="add">
-          <ac:chgData name="Ryein Kim" userId="dfeadb9f706589c6" providerId="LiveId" clId="{3A95D6F2-0669-4609-AE79-3A4C59F30514}" dt="2019-05-26T23:47:23.695" v="93" actId="26606"/>
-          <ac:cxnSpMkLst>
-            <pc:docMk/>
-            <pc:sldMk cId="3588637847" sldId="258"/>
-            <ac:cxnSpMk id="18" creationId="{2A35DB53-42BE-460E-9CA1-1294C98463CB}"/>
           </ac:cxnSpMkLst>
         </pc:cxnChg>
       </pc:sldChg>
@@ -398,20 +296,6 @@
           </ac:cxnSpMkLst>
         </pc:cxnChg>
       </pc:sldChg>
-      <pc:sldChg chg="add del">
-        <pc:chgData name="Ryein Kim" userId="dfeadb9f706589c6" providerId="LiveId" clId="{3A95D6F2-0669-4609-AE79-3A4C59F30514}" dt="2019-05-27T00:57:55.937" v="1196" actId="2696"/>
-        <pc:sldMkLst>
-          <pc:docMk/>
-          <pc:sldMk cId="1199168987" sldId="260"/>
-        </pc:sldMkLst>
-      </pc:sldChg>
-      <pc:sldChg chg="add del ord">
-        <pc:chgData name="Ryein Kim" userId="dfeadb9f706589c6" providerId="LiveId" clId="{3A95D6F2-0669-4609-AE79-3A4C59F30514}" dt="2019-05-27T01:34:31.644" v="1199" actId="2696"/>
-        <pc:sldMkLst>
-          <pc:docMk/>
-          <pc:sldMk cId="2502749132" sldId="260"/>
-        </pc:sldMkLst>
-      </pc:sldChg>
     </pc:docChg>
   </pc:docChgLst>
 </pc:chgInfo>
@@ -608,7 +492,7 @@
           <a:p>
             <a:fld id="{B98807D1-4116-499B-9359-5944853DC4E1}" type="datetimeFigureOut">
               <a:rPr lang="ko-KR" altLang="en-US" smtClean="0"/>
-              <a:t>2019-05-27</a:t>
+              <a:t>2019-06-06</a:t>
             </a:fld>
             <a:endParaRPr lang="ko-KR" altLang="en-US"/>
           </a:p>
@@ -1044,7 +928,7 @@
           <a:p>
             <a:fld id="{B98807D1-4116-499B-9359-5944853DC4E1}" type="datetimeFigureOut">
               <a:rPr lang="ko-KR" altLang="en-US" smtClean="0"/>
-              <a:t>2019-05-27</a:t>
+              <a:t>2019-06-06</a:t>
             </a:fld>
             <a:endParaRPr lang="ko-KR" altLang="en-US"/>
           </a:p>
@@ -1294,7 +1178,7 @@
           <a:p>
             <a:fld id="{B98807D1-4116-499B-9359-5944853DC4E1}" type="datetimeFigureOut">
               <a:rPr lang="ko-KR" altLang="en-US" smtClean="0"/>
-              <a:t>2019-05-27</a:t>
+              <a:t>2019-06-06</a:t>
             </a:fld>
             <a:endParaRPr lang="ko-KR" altLang="en-US"/>
           </a:p>
@@ -1602,7 +1486,7 @@
           <a:p>
             <a:fld id="{B98807D1-4116-499B-9359-5944853DC4E1}" type="datetimeFigureOut">
               <a:rPr lang="ko-KR" altLang="en-US" smtClean="0"/>
-              <a:t>2019-05-27</a:t>
+              <a:t>2019-06-06</a:t>
             </a:fld>
             <a:endParaRPr lang="ko-KR" altLang="en-US"/>
           </a:p>
@@ -1920,7 +1804,7 @@
           <a:p>
             <a:fld id="{B98807D1-4116-499B-9359-5944853DC4E1}" type="datetimeFigureOut">
               <a:rPr lang="ko-KR" altLang="en-US" smtClean="0"/>
-              <a:t>2019-05-27</a:t>
+              <a:t>2019-06-06</a:t>
             </a:fld>
             <a:endParaRPr lang="ko-KR" altLang="en-US"/>
           </a:p>
@@ -2222,7 +2106,7 @@
           <a:p>
             <a:fld id="{B98807D1-4116-499B-9359-5944853DC4E1}" type="datetimeFigureOut">
               <a:rPr lang="ko-KR" altLang="en-US" smtClean="0"/>
-              <a:t>2019-05-27</a:t>
+              <a:t>2019-06-06</a:t>
             </a:fld>
             <a:endParaRPr lang="ko-KR" altLang="en-US"/>
           </a:p>
@@ -2589,7 +2473,7 @@
           <a:p>
             <a:fld id="{B98807D1-4116-499B-9359-5944853DC4E1}" type="datetimeFigureOut">
               <a:rPr lang="ko-KR" altLang="en-US" smtClean="0"/>
-              <a:t>2019-05-27</a:t>
+              <a:t>2019-06-06</a:t>
             </a:fld>
             <a:endParaRPr lang="ko-KR" altLang="en-US"/>
           </a:p>
@@ -2763,7 +2647,7 @@
           <a:p>
             <a:fld id="{B98807D1-4116-499B-9359-5944853DC4E1}" type="datetimeFigureOut">
               <a:rPr lang="ko-KR" altLang="en-US" smtClean="0"/>
-              <a:t>2019-05-27</a:t>
+              <a:t>2019-06-06</a:t>
             </a:fld>
             <a:endParaRPr lang="ko-KR" altLang="en-US"/>
           </a:p>
@@ -2943,7 +2827,7 @@
           <a:p>
             <a:fld id="{B98807D1-4116-499B-9359-5944853DC4E1}" type="datetimeFigureOut">
               <a:rPr lang="ko-KR" altLang="en-US" smtClean="0"/>
-              <a:t>2019-05-27</a:t>
+              <a:t>2019-06-06</a:t>
             </a:fld>
             <a:endParaRPr lang="ko-KR" altLang="en-US"/>
           </a:p>
@@ -3113,7 +2997,7 @@
           <a:p>
             <a:fld id="{B98807D1-4116-499B-9359-5944853DC4E1}" type="datetimeFigureOut">
               <a:rPr lang="ko-KR" altLang="en-US" smtClean="0"/>
-              <a:t>2019-05-27</a:t>
+              <a:t>2019-06-06</a:t>
             </a:fld>
             <a:endParaRPr lang="ko-KR" altLang="en-US"/>
           </a:p>
@@ -3363,7 +3247,7 @@
           <a:p>
             <a:fld id="{B98807D1-4116-499B-9359-5944853DC4E1}" type="datetimeFigureOut">
               <a:rPr lang="ko-KR" altLang="en-US" smtClean="0"/>
-              <a:t>2019-05-27</a:t>
+              <a:t>2019-06-06</a:t>
             </a:fld>
             <a:endParaRPr lang="ko-KR" altLang="en-US"/>
           </a:p>
@@ -3599,7 +3483,7 @@
           <a:p>
             <a:fld id="{B98807D1-4116-499B-9359-5944853DC4E1}" type="datetimeFigureOut">
               <a:rPr lang="ko-KR" altLang="en-US" smtClean="0"/>
-              <a:t>2019-05-27</a:t>
+              <a:t>2019-06-06</a:t>
             </a:fld>
             <a:endParaRPr lang="ko-KR" altLang="en-US"/>
           </a:p>
@@ -3981,7 +3865,7 @@
           <a:p>
             <a:fld id="{B98807D1-4116-499B-9359-5944853DC4E1}" type="datetimeFigureOut">
               <a:rPr lang="ko-KR" altLang="en-US" smtClean="0"/>
-              <a:t>2019-05-27</a:t>
+              <a:t>2019-06-06</a:t>
             </a:fld>
             <a:endParaRPr lang="ko-KR" altLang="en-US"/>
           </a:p>
@@ -4099,7 +3983,7 @@
           <a:p>
             <a:fld id="{B98807D1-4116-499B-9359-5944853DC4E1}" type="datetimeFigureOut">
               <a:rPr lang="ko-KR" altLang="en-US" smtClean="0"/>
-              <a:t>2019-05-27</a:t>
+              <a:t>2019-06-06</a:t>
             </a:fld>
             <a:endParaRPr lang="ko-KR" altLang="en-US"/>
           </a:p>
@@ -4194,7 +4078,7 @@
           <a:p>
             <a:fld id="{B98807D1-4116-499B-9359-5944853DC4E1}" type="datetimeFigureOut">
               <a:rPr lang="ko-KR" altLang="en-US" smtClean="0"/>
-              <a:t>2019-05-27</a:t>
+              <a:t>2019-06-06</a:t>
             </a:fld>
             <a:endParaRPr lang="ko-KR" altLang="en-US"/>
           </a:p>
@@ -4449,7 +4333,7 @@
           <a:p>
             <a:fld id="{B98807D1-4116-499B-9359-5944853DC4E1}" type="datetimeFigureOut">
               <a:rPr lang="ko-KR" altLang="en-US" smtClean="0"/>
-              <a:t>2019-05-27</a:t>
+              <a:t>2019-06-06</a:t>
             </a:fld>
             <a:endParaRPr lang="ko-KR" altLang="en-US"/>
           </a:p>
@@ -4732,7 +4616,7 @@
           <a:p>
             <a:fld id="{B98807D1-4116-499B-9359-5944853DC4E1}" type="datetimeFigureOut">
               <a:rPr lang="ko-KR" altLang="en-US" smtClean="0"/>
-              <a:t>2019-05-27</a:t>
+              <a:t>2019-06-06</a:t>
             </a:fld>
             <a:endParaRPr lang="ko-KR" altLang="en-US"/>
           </a:p>
@@ -5138,7 +5022,7 @@
           <a:p>
             <a:fld id="{B98807D1-4116-499B-9359-5944853DC4E1}" type="datetimeFigureOut">
               <a:rPr lang="ko-KR" altLang="en-US" smtClean="0"/>
-              <a:t>2019-05-27</a:t>
+              <a:t>2019-06-06</a:t>
             </a:fld>
             <a:endParaRPr lang="ko-KR" altLang="en-US"/>
           </a:p>
@@ -6234,7 +6118,7 @@
         </p:nvSpPr>
         <p:spPr>
           <a:xfrm>
-            <a:off x="7270376" y="1246094"/>
+            <a:off x="7285924" y="811306"/>
             <a:ext cx="4446495" cy="4141694"/>
           </a:xfrm>
         </p:spPr>
